--- a/Midterm part 2/3_3-1 bis - Developing REST WS with Apache CXF-Maven and Asynch.pptx
+++ b/Midterm part 2/3_3-1 bis - Developing REST WS with Apache CXF-Maven and Asynch.pptx
@@ -10049,6 +10049,42 @@
           <a:chExt cx="0" cy="0"/>
         </a:xfrm>
       </p:grpSpPr>
+      <p:sp>
+        <p:nvSpPr>
+          <p:cNvPr id="2" name="Titolo 1"/>
+          <p:cNvSpPr>
+            <a:spLocks noGrp="1"/>
+          </p:cNvSpPr>
+          <p:nvPr>
+            <p:ph type="title"/>
+          </p:nvPr>
+        </p:nvSpPr>
+        <p:spPr/>
+        <p:txBody>
+          <a:bodyPr>
+            <a:normAutofit/>
+          </a:bodyPr>
+          <a:lstStyle/>
+          <a:p>
+            <a:r>
+              <a:rPr lang="it-IT" sz="2800" err="1">
+                <a:solidFill>
+                  <a:schemeClr val="tx1"/>
+                </a:solidFill>
+              </a:rPr>
+              <a:t>Deploy</a:t>
+            </a:r>
+            <a:r>
+              <a:rPr lang="it-IT" sz="2800">
+                <a:solidFill>
+                  <a:schemeClr val="tx1"/>
+                </a:solidFill>
+              </a:rPr>
+              <a:t> the Service</a:t>
+            </a:r>
+          </a:p>
+        </p:txBody>
+      </p:sp>
       <p:pic>
         <p:nvPicPr>
           <p:cNvPr id="14" name="Immagine 13">
@@ -10079,42 +10115,36 @@
           </a:prstGeom>
         </p:spPr>
       </p:pic>
-      <p:sp>
-        <p:nvSpPr>
-          <p:cNvPr id="2" name="Titolo 1"/>
-          <p:cNvSpPr>
-            <a:spLocks noGrp="1"/>
-          </p:cNvSpPr>
-          <p:nvPr>
-            <p:ph type="title"/>
-          </p:nvPr>
-        </p:nvSpPr>
-        <p:spPr/>
-        <p:txBody>
-          <a:bodyPr>
-            <a:normAutofit/>
-          </a:bodyPr>
-          <a:lstStyle/>
-          <a:p>
-            <a:r>
-              <a:rPr lang="it-IT" sz="2800" err="1">
-                <a:solidFill>
-                  <a:schemeClr val="tx1"/>
-                </a:solidFill>
-              </a:rPr>
-              <a:t>Deploy</a:t>
-            </a:r>
-            <a:r>
-              <a:rPr lang="it-IT" sz="2800">
-                <a:solidFill>
-                  <a:schemeClr val="tx1"/>
-                </a:solidFill>
-              </a:rPr>
-              <a:t> the Service</a:t>
-            </a:r>
-          </a:p>
-        </p:txBody>
-      </p:sp>
+      <p:pic>
+        <p:nvPicPr>
+          <p:cNvPr id="16" name="Immagine 15">
+            <a:extLst>
+              <a:ext uri="{FF2B5EF4-FFF2-40B4-BE49-F238E27FC236}">
+                <a16:creationId xmlns:a16="http://schemas.microsoft.com/office/drawing/2014/main" id="{214D7684-5222-E4B0-2ECD-8CD0FBC15A81}"/>
+              </a:ext>
+            </a:extLst>
+          </p:cNvPr>
+          <p:cNvPicPr>
+            <a:picLocks noChangeAspect="1"/>
+          </p:cNvPicPr>
+          <p:nvPr/>
+        </p:nvPicPr>
+        <p:blipFill>
+          <a:blip r:embed="rId4"/>
+          <a:stretch>
+            <a:fillRect/>
+          </a:stretch>
+        </p:blipFill>
+        <p:spPr>
+          <a:xfrm>
+            <a:off x="723890" y="3245080"/>
+            <a:ext cx="7231053" cy="2994921"/>
+          </a:xfrm>
+          <a:prstGeom prst="rect">
+            <a:avLst/>
+          </a:prstGeom>
+        </p:spPr>
+      </p:pic>
       <p:sp>
         <p:nvSpPr>
           <p:cNvPr id="4" name="Segnaposto piè di pagina 3"/>
@@ -10267,50 +10297,6 @@
           </a:p>
         </p:txBody>
       </p:sp>
-      <p:pic>
-        <p:nvPicPr>
-          <p:cNvPr id="13" name="Immagine 12"/>
-          <p:cNvPicPr>
-            <a:picLocks noChangeAspect="1"/>
-          </p:cNvPicPr>
-          <p:nvPr/>
-        </p:nvPicPr>
-        <p:blipFill>
-          <a:blip r:embed="rId4">
-            <a:extLst>
-              <a:ext uri="{BEBA8EAE-BF5A-486C-A8C5-ECC9F3942E4B}">
-                <a14:imgProps xmlns:a14="http://schemas.microsoft.com/office/drawing/2010/main">
-                  <a14:imgLayer r:embed="rId5">
-                    <a14:imgEffect>
-                      <a14:saturation sat="400000"/>
-                    </a14:imgEffect>
-                    <a14:imgEffect>
-                      <a14:brightnessContrast contrast="-40000"/>
-                    </a14:imgEffect>
-                  </a14:imgLayer>
-                </a14:imgProps>
-              </a:ext>
-            </a:extLst>
-          </a:blip>
-          <a:stretch>
-            <a:fillRect/>
-          </a:stretch>
-        </p:blipFill>
-        <p:spPr>
-          <a:xfrm>
-            <a:off x="1037122" y="3453822"/>
-            <a:ext cx="6858000" cy="2476500"/>
-          </a:xfrm>
-          <a:prstGeom prst="rect">
-            <a:avLst/>
-          </a:prstGeom>
-          <a:ln>
-            <a:solidFill>
-              <a:srgbClr val="FF6600"/>
-            </a:solidFill>
-          </a:ln>
-        </p:spPr>
-      </p:pic>
       <p:cxnSp>
         <p:nvCxnSpPr>
           <p:cNvPr id="10" name="Connettore 4 12"/>
@@ -10393,88 +10379,6 @@
           </a:p>
         </p:txBody>
       </p:sp>
-      <p:sp>
-        <p:nvSpPr>
-          <p:cNvPr id="12" name="TextBox 11">
-            <a:extLst>
-              <a:ext uri="{FF2B5EF4-FFF2-40B4-BE49-F238E27FC236}">
-                <a16:creationId xmlns:a16="http://schemas.microsoft.com/office/drawing/2014/main" id="{1D422B6D-E268-B822-5EB3-6C958B1AF15F}"/>
-              </a:ext>
-            </a:extLst>
-          </p:cNvPr>
-          <p:cNvSpPr txBox="1"/>
-          <p:nvPr/>
-        </p:nvSpPr>
-        <p:spPr>
-          <a:xfrm>
-            <a:off x="3554009" y="5043924"/>
-            <a:ext cx="3821012" cy="523220"/>
-          </a:xfrm>
-          <a:prstGeom prst="rect">
-            <a:avLst/>
-          </a:prstGeom>
-          <a:noFill/>
-        </p:spPr>
-        <p:txBody>
-          <a:bodyPr wrap="square">
-            <a:spAutoFit/>
-          </a:bodyPr>
-          <a:lstStyle/>
-          <a:p>
-            <a:pPr algn="l"/>
-            <a:r>
-              <a:rPr lang="en-GB" sz="1400" b="1" i="0" u="none" strike="noStrike" dirty="0">
-                <a:solidFill>
-                  <a:srgbClr val="FF6600"/>
-                </a:solidFill>
-                <a:effectLst/>
-                <a:latin typeface="RALEWAY LIGHT" panose="020B0403030101060003" pitchFamily="34" charset="77"/>
-              </a:rPr>
-              <a:t>204 - No content</a:t>
-            </a:r>
-            <a:r>
-              <a:rPr lang="en-GB" sz="1400" b="0" i="0" u="none" strike="noStrike" dirty="0">
-                <a:solidFill>
-                  <a:srgbClr val="FF6600"/>
-                </a:solidFill>
-                <a:effectLst/>
-                <a:latin typeface="Raleway Light" panose="020B0403030101060003" pitchFamily="34" charset="77"/>
-              </a:rPr>
-              <a:t>: the request was successful but there is no data to transfer</a:t>
-            </a:r>
-          </a:p>
-        </p:txBody>
-      </p:sp>
-      <p:pic>
-        <p:nvPicPr>
-          <p:cNvPr id="16" name="Immagine 15">
-            <a:extLst>
-              <a:ext uri="{FF2B5EF4-FFF2-40B4-BE49-F238E27FC236}">
-                <a16:creationId xmlns:a16="http://schemas.microsoft.com/office/drawing/2014/main" id="{214D7684-5222-E4B0-2ECD-8CD0FBC15A81}"/>
-              </a:ext>
-            </a:extLst>
-          </p:cNvPr>
-          <p:cNvPicPr>
-            <a:picLocks noChangeAspect="1"/>
-          </p:cNvPicPr>
-          <p:nvPr/>
-        </p:nvPicPr>
-        <p:blipFill>
-          <a:blip r:embed="rId6"/>
-          <a:stretch>
-            <a:fillRect/>
-          </a:stretch>
-        </p:blipFill>
-        <p:spPr>
-          <a:xfrm>
-            <a:off x="8753901" y="464504"/>
-            <a:ext cx="8601075" cy="3562350"/>
-          </a:xfrm>
-          <a:prstGeom prst="rect">
-            <a:avLst/>
-          </a:prstGeom>
-        </p:spPr>
-      </p:pic>
     </p:spTree>
     <p:extLst>
       <p:ext uri="{BB962C8B-B14F-4D97-AF65-F5344CB8AC3E}">
@@ -20880,18 +20784,18 @@
 </file>
 
 <file path=customXml/item1.xml><?xml version="1.0" encoding="utf-8"?>
-<p:properties xmlns:p="http://schemas.microsoft.com/office/2006/metadata/properties" xmlns:xsi="http://www.w3.org/2001/XMLSchema-instance" xmlns:pc="http://schemas.microsoft.com/office/infopath/2007/PartnerControls">
-  <documentManagement/>
-</p:properties>
-</file>
-
-<file path=customXml/item2.xml><?xml version="1.0" encoding="utf-8"?>
 <?mso-contentType ?>
 <FormTemplates xmlns="http://schemas.microsoft.com/sharepoint/v3/contenttype/forms">
   <Display>DocumentLibraryForm</Display>
   <Edit>DocumentLibraryForm</Edit>
   <New>DocumentLibraryForm</New>
 </FormTemplates>
+</file>
+
+<file path=customXml/item2.xml><?xml version="1.0" encoding="utf-8"?>
+<p:properties xmlns:p="http://schemas.microsoft.com/office/2006/metadata/properties" xmlns:xsi="http://www.w3.org/2001/XMLSchema-instance" xmlns:pc="http://schemas.microsoft.com/office/infopath/2007/PartnerControls">
+  <documentManagement/>
+</p:properties>
 </file>
 
 <file path=customXml/item3.xml><?xml version="1.0" encoding="utf-8"?>
@@ -21033,18 +20937,18 @@
 </file>
 
 <file path=customXml/itemProps1.xml><?xml version="1.0" encoding="utf-8"?>
-<ds:datastoreItem xmlns:ds="http://schemas.openxmlformats.org/officeDocument/2006/customXml" ds:itemID="{3AB7779E-58E6-4884-8898-B841B14F0622}">
+<ds:datastoreItem xmlns:ds="http://schemas.openxmlformats.org/officeDocument/2006/customXml" ds:itemID="{9A531606-AEC1-44A7-A61C-2996AEE368D1}">
   <ds:schemaRefs>
-    <ds:schemaRef ds:uri="http://schemas.microsoft.com/office/2006/metadata/properties"/>
-    <ds:schemaRef ds:uri="http://schemas.microsoft.com/office/infopath/2007/PartnerControls"/>
+    <ds:schemaRef ds:uri="http://schemas.microsoft.com/sharepoint/v3/contenttype/forms"/>
   </ds:schemaRefs>
 </ds:datastoreItem>
 </file>
 
 <file path=customXml/itemProps2.xml><?xml version="1.0" encoding="utf-8"?>
-<ds:datastoreItem xmlns:ds="http://schemas.openxmlformats.org/officeDocument/2006/customXml" ds:itemID="{9A531606-AEC1-44A7-A61C-2996AEE368D1}">
+<ds:datastoreItem xmlns:ds="http://schemas.openxmlformats.org/officeDocument/2006/customXml" ds:itemID="{3AB7779E-58E6-4884-8898-B841B14F0622}">
   <ds:schemaRefs>
-    <ds:schemaRef ds:uri="http://schemas.microsoft.com/sharepoint/v3/contenttype/forms"/>
+    <ds:schemaRef ds:uri="http://schemas.microsoft.com/office/2006/metadata/properties"/>
+    <ds:schemaRef ds:uri="http://schemas.microsoft.com/office/infopath/2007/PartnerControls"/>
   </ds:schemaRefs>
 </ds:datastoreItem>
 </file>

--- a/Midterm part 2/3_3-1 bis - Developing REST WS with Apache CXF-Maven and Asynch.pptx
+++ b/Midterm part 2/3_3-1 bis - Developing REST WS with Apache CXF-Maven and Asynch.pptx
@@ -840,7 +840,7 @@
           <a:p>
             <a:fld id="{877B38AC-E450-5B48-BDB6-2D3873A76C93}" type="datetimeFigureOut">
               <a:rPr lang="en-US" smtClean="0"/>
-              <a:t>5/10/2025</a:t>
+              <a:t>5/11/2025</a:t>
             </a:fld>
             <a:endParaRPr lang="en-US"/>
           </a:p>
@@ -3807,7 +3807,7 @@
           <a:p>
             <a:fld id="{9F4E9B09-B5A2-924E-A487-1028478D4296}" type="datetime1">
               <a:rPr lang="it-IT" smtClean="0"/>
-              <a:t>10/05/2025</a:t>
+              <a:t>11/05/2025</a:t>
             </a:fld>
             <a:endParaRPr lang="en-US"/>
           </a:p>
@@ -3979,7 +3979,7 @@
           <a:p>
             <a:fld id="{8FA4D0E0-9510-F04B-949B-2D135BF18E4B}" type="datetime1">
               <a:rPr lang="it-IT" smtClean="0"/>
-              <a:t>10/05/2025</a:t>
+              <a:t>11/05/2025</a:t>
             </a:fld>
             <a:endParaRPr lang="en-US"/>
           </a:p>
@@ -4196,7 +4196,7 @@
           <a:p>
             <a:fld id="{CB07D971-BD2A-0F4C-B510-027FE2F0BAFB}" type="datetime1">
               <a:rPr lang="it-IT" smtClean="0"/>
-              <a:t>10/05/2025</a:t>
+              <a:t>11/05/2025</a:t>
             </a:fld>
             <a:endParaRPr lang="en-US"/>
           </a:p>
@@ -4418,7 +4418,7 @@
           <a:p>
             <a:fld id="{4A653FD3-74C7-8045-AB93-E55D3C66F947}" type="datetime1">
               <a:rPr lang="it-IT" noProof="0" smtClean="0"/>
-              <a:t>10/05/2025</a:t>
+              <a:t>11/05/2025</a:t>
             </a:fld>
             <a:endParaRPr lang="en-US" noProof="0"/>
           </a:p>
@@ -4739,7 +4739,7 @@
           <a:p>
             <a:fld id="{739AE1C2-C318-6B46-9628-349365E41D41}" type="datetime1">
               <a:rPr lang="it-IT" smtClean="0"/>
-              <a:t>10/05/2025</a:t>
+              <a:t>11/05/2025</a:t>
             </a:fld>
             <a:endParaRPr lang="en-US"/>
           </a:p>
@@ -4972,7 +4972,7 @@
           <a:p>
             <a:fld id="{F899C3EE-7647-C04B-B5FF-C35CBBD4A11D}" type="datetime1">
               <a:rPr lang="it-IT" smtClean="0"/>
-              <a:t>10/05/2025</a:t>
+              <a:t>11/05/2025</a:t>
             </a:fld>
             <a:endParaRPr lang="en-US"/>
           </a:p>
@@ -5375,7 +5375,7 @@
           <a:p>
             <a:fld id="{51E91F9A-42E3-2E48-B90A-36BF7FEEA252}" type="datetime1">
               <a:rPr lang="it-IT" smtClean="0"/>
-              <a:t>10/05/2025</a:t>
+              <a:t>11/05/2025</a:t>
             </a:fld>
             <a:endParaRPr lang="en-US"/>
           </a:p>
@@ -5496,7 +5496,7 @@
           <a:p>
             <a:fld id="{7B1AFE78-566A-C04B-BD86-13F78A1981B0}" type="datetime1">
               <a:rPr lang="it-IT" smtClean="0"/>
-              <a:t>10/05/2025</a:t>
+              <a:t>11/05/2025</a:t>
             </a:fld>
             <a:endParaRPr lang="en-US"/>
           </a:p>
@@ -5630,7 +5630,7 @@
           <a:p>
             <a:fld id="{47AF4D5A-A06D-4D4D-8596-49910891D0ED}" type="datetime1">
               <a:rPr lang="it-IT" smtClean="0"/>
-              <a:t>10/05/2025</a:t>
+              <a:t>11/05/2025</a:t>
             </a:fld>
             <a:endParaRPr lang="en-US"/>
           </a:p>
@@ -5909,7 +5909,7 @@
           <a:p>
             <a:fld id="{C01B9560-299C-6046-B613-D8EC3ACB2050}" type="datetime1">
               <a:rPr lang="it-IT" smtClean="0"/>
-              <a:t>10/05/2025</a:t>
+              <a:t>11/05/2025</a:t>
             </a:fld>
             <a:endParaRPr lang="en-US"/>
           </a:p>
@@ -6168,7 +6168,7 @@
           <a:p>
             <a:fld id="{D26B8818-ADCB-B540-AEA4-64FF44584E79}" type="datetime1">
               <a:rPr lang="it-IT" smtClean="0"/>
-              <a:t>10/05/2025</a:t>
+              <a:t>11/05/2025</a:t>
             </a:fld>
             <a:endParaRPr lang="en-US"/>
           </a:p>
@@ -6384,7 +6384,7 @@
           <a:p>
             <a:fld id="{DEB44A84-981A-1B41-BC05-555ED4612FF0}" type="datetime1">
               <a:rPr lang="it-IT" smtClean="0"/>
-              <a:t>10/05/2025</a:t>
+              <a:t>11/05/2025</a:t>
             </a:fld>
             <a:endParaRPr lang="en-US"/>
           </a:p>
@@ -7532,7 +7532,7 @@
           <a:p>
             <a:fld id="{4A653FD3-74C7-8045-AB93-E55D3C66F947}" type="datetime1">
               <a:rPr lang="it-IT" noProof="0" smtClean="0"/>
-              <a:t>10/05/2025</a:t>
+              <a:t>11/05/2025</a:t>
             </a:fld>
             <a:endParaRPr lang="en-US" noProof="0"/>
           </a:p>
@@ -7690,7 +7690,7 @@
           <a:p>
             <a:fld id="{4A653FD3-74C7-8045-AB93-E55D3C66F947}" type="datetime1">
               <a:rPr lang="it-IT" noProof="0" smtClean="0"/>
-              <a:t>10/05/2025</a:t>
+              <a:t>11/05/2025</a:t>
             </a:fld>
             <a:endParaRPr lang="en-US" noProof="0"/>
           </a:p>
@@ -8087,7 +8087,7 @@
           <a:p>
             <a:fld id="{958B5172-E2AB-3346-8330-4D0F8C8C161D}" type="datetime1">
               <a:rPr lang="it-IT" noProof="0" smtClean="0"/>
-              <a:t>10/05/2025</a:t>
+              <a:t>11/05/2025</a:t>
             </a:fld>
             <a:endParaRPr lang="en-US" noProof="0"/>
           </a:p>
@@ -8430,7 +8430,7 @@
           <a:p>
             <a:fld id="{79AD4101-44B2-5141-B8B5-0CC2FD8FF177}" type="datetime1">
               <a:rPr lang="it-IT" noProof="0" smtClean="0"/>
-              <a:t>10/05/2025</a:t>
+              <a:t>11/05/2025</a:t>
             </a:fld>
             <a:endParaRPr lang="en-US" noProof="0"/>
           </a:p>
@@ -9154,7 +9154,7 @@
           <a:p>
             <a:fld id="{DF9C7914-E85F-AD43-8570-D11A198959F4}" type="datetime1">
               <a:rPr lang="it-IT" noProof="0" smtClean="0"/>
-              <a:t>10/05/2025</a:t>
+              <a:t>11/05/2025</a:t>
             </a:fld>
             <a:endParaRPr lang="en-US" noProof="0"/>
           </a:p>
@@ -9771,7 +9771,7 @@
           <a:p>
             <a:fld id="{425F6142-001F-8947-A528-68E26AEEF8BB}" type="datetime1">
               <a:rPr lang="it-IT" noProof="0" smtClean="0"/>
-              <a:t>10/05/2025</a:t>
+              <a:t>11/05/2025</a:t>
             </a:fld>
             <a:endParaRPr lang="en-US" noProof="0"/>
           </a:p>
@@ -10185,7 +10185,7 @@
           <a:p>
             <a:fld id="{AC16CFDC-C932-6342-8390-4484A492270E}" type="datetime1">
               <a:rPr lang="it-IT" noProof="0" smtClean="0"/>
-              <a:t>10/05/2025</a:t>
+              <a:t>11/05/2025</a:t>
             </a:fld>
             <a:endParaRPr lang="en-US" noProof="0"/>
           </a:p>
@@ -10486,7 +10486,7 @@
           <a:p>
             <a:fld id="{622EF31E-D869-CD4C-A6B1-50769005870B}" type="datetime1">
               <a:rPr lang="it-IT" noProof="0" smtClean="0"/>
-              <a:t>10/05/2025</a:t>
+              <a:t>11/05/2025</a:t>
             </a:fld>
             <a:endParaRPr lang="en-US" noProof="0"/>
           </a:p>
@@ -10765,7 +10765,7 @@
           <a:p>
             <a:fld id="{7413F0C9-A346-F841-B5A5-F306273CE6A5}" type="datetime1">
               <a:rPr lang="it-IT" noProof="0" smtClean="0"/>
-              <a:t>10/05/2025</a:t>
+              <a:t>11/05/2025</a:t>
             </a:fld>
             <a:endParaRPr lang="en-US" noProof="0"/>
           </a:p>
@@ -11171,7 +11171,7 @@
           <a:p>
             <a:fld id="{D8F6824B-E022-074D-B43A-E96622677D55}" type="datetime1">
               <a:rPr lang="it-IT" noProof="0" smtClean="0"/>
-              <a:t>10/05/2025</a:t>
+              <a:t>11/05/2025</a:t>
             </a:fld>
             <a:endParaRPr lang="en-US" noProof="0"/>
           </a:p>
@@ -11716,7 +11716,7 @@
           <a:p>
             <a:fld id="{C07B4D1B-2933-4046-8201-F0CEC42142AE}" type="datetime1">
               <a:rPr lang="it-IT" noProof="0" smtClean="0"/>
-              <a:t>10/05/2025</a:t>
+              <a:t>11/05/2025</a:t>
             </a:fld>
             <a:endParaRPr lang="en-US" noProof="0"/>
           </a:p>
@@ -12244,7 +12244,7 @@
           <a:p>
             <a:fld id="{D1320C11-E86F-1341-96E5-92FA886F7D9B}" type="datetime1">
               <a:rPr lang="it-IT" noProof="0" smtClean="0"/>
-              <a:t>10/05/2025</a:t>
+              <a:t>11/05/2025</a:t>
             </a:fld>
             <a:endParaRPr lang="en-US" noProof="0"/>
           </a:p>
@@ -12843,7 +12843,7 @@
           <a:p>
             <a:fld id="{D13E1EF2-B548-F343-8C0D-5A3E95F5AF6D}" type="datetime1">
               <a:rPr lang="it-IT" noProof="0" smtClean="0"/>
-              <a:t>10/05/2025</a:t>
+              <a:t>11/05/2025</a:t>
             </a:fld>
             <a:endParaRPr lang="en-US" noProof="0"/>
           </a:p>
@@ -13352,7 +13352,7 @@
           <a:p>
             <a:fld id="{6AF11175-D0CE-A245-B0D7-F934C05D742A}" type="datetime1">
               <a:rPr lang="it-IT" noProof="0" smtClean="0"/>
-              <a:t>10/05/2025</a:t>
+              <a:t>11/05/2025</a:t>
             </a:fld>
             <a:endParaRPr lang="en-US" noProof="0"/>
           </a:p>
@@ -13679,7 +13679,7 @@
           <a:p>
             <a:fld id="{1362CF24-8187-9F43-A7E4-EEC7B0838B03}" type="datetime1">
               <a:rPr lang="it-IT" noProof="0" smtClean="0"/>
-              <a:t>10/05/2025</a:t>
+              <a:t>11/05/2025</a:t>
             </a:fld>
             <a:endParaRPr lang="en-US" noProof="0"/>
           </a:p>
@@ -14312,7 +14312,7 @@
           <a:p>
             <a:fld id="{E92DB9AC-53A0-0E45-B2B4-7DB8956C00ED}" type="datetime1">
               <a:rPr lang="it-IT" noProof="0" smtClean="0"/>
-              <a:t>10/05/2025</a:t>
+              <a:t>11/05/2025</a:t>
             </a:fld>
             <a:endParaRPr lang="en-US" noProof="0"/>
           </a:p>
@@ -14827,7 +14827,7 @@
           <a:p>
             <a:fld id="{6B64C5DE-68E2-F144-860E-AB6697F8FECB}" type="datetime1">
               <a:rPr lang="it-IT" noProof="0" smtClean="0"/>
-              <a:t>10/05/2025</a:t>
+              <a:t>11/05/2025</a:t>
             </a:fld>
             <a:endParaRPr lang="en-US" noProof="0"/>
           </a:p>
@@ -15113,7 +15113,7 @@
           <a:p>
             <a:fld id="{DF7307B2-2F77-E649-B6B0-C97ED1CDD235}" type="datetime1">
               <a:rPr lang="it-IT" noProof="0" smtClean="0"/>
-              <a:t>10/05/2025</a:t>
+              <a:t>11/05/2025</a:t>
             </a:fld>
             <a:endParaRPr lang="en-US" noProof="0"/>
           </a:p>
@@ -15582,7 +15582,7 @@
           <a:p>
             <a:fld id="{4A653FD3-74C7-8045-AB93-E55D3C66F947}" type="datetime1">
               <a:rPr lang="it-IT" noProof="0" smtClean="0"/>
-              <a:t>10/05/2025</a:t>
+              <a:t>11/05/2025</a:t>
             </a:fld>
             <a:endParaRPr lang="en-US" noProof="0"/>
           </a:p>
@@ -16063,7 +16063,7 @@
           <a:p>
             <a:fld id="{1FFF1784-E9F0-F541-B1E9-2197BBCC13B8}" type="datetime1">
               <a:rPr lang="it-IT" noProof="0" smtClean="0"/>
-              <a:t>10/05/2025</a:t>
+              <a:t>11/05/2025</a:t>
             </a:fld>
             <a:endParaRPr lang="en-US" noProof="0"/>
           </a:p>
@@ -16208,7 +16208,7 @@
           <a:p>
             <a:fld id="{4A653FD3-74C7-8045-AB93-E55D3C66F947}" type="datetime1">
               <a:rPr lang="it-IT" noProof="0" smtClean="0"/>
-              <a:t>10/05/2025</a:t>
+              <a:t>11/05/2025</a:t>
             </a:fld>
             <a:endParaRPr lang="en-US" noProof="0"/>
           </a:p>
@@ -16356,7 +16356,7 @@
           <a:p>
             <a:fld id="{D37CEDE9-D7E7-BD45-9E3A-F83FE50D4A9B}" type="datetime1">
               <a:rPr lang="it-IT" noProof="0" smtClean="0"/>
-              <a:t>10/05/2025</a:t>
+              <a:t>11/05/2025</a:t>
             </a:fld>
             <a:endParaRPr lang="en-US" noProof="0"/>
           </a:p>
@@ -16590,7 +16590,7 @@
           <a:p>
             <a:fld id="{BC59D01D-21FE-4440-93A2-0391C6145256}" type="datetime1">
               <a:rPr lang="it-IT" noProof="0" smtClean="0"/>
-              <a:t>10/05/2025</a:t>
+              <a:t>11/05/2025</a:t>
             </a:fld>
             <a:endParaRPr lang="en-US" noProof="0"/>
           </a:p>
@@ -17065,7 +17065,7 @@
           <a:p>
             <a:fld id="{C07B4D1B-2933-4046-8201-F0CEC42142AE}" type="datetime1">
               <a:rPr lang="it-IT" noProof="0" smtClean="0"/>
-              <a:t>10/05/2025</a:t>
+              <a:t>11/05/2025</a:t>
             </a:fld>
             <a:endParaRPr lang="en-US" noProof="0"/>
           </a:p>
@@ -17864,7 +17864,7 @@
           <a:p>
             <a:fld id="{F3BB4206-BE4B-484D-9FE9-53F60E0FD1BD}" type="datetime1">
               <a:rPr lang="it-IT" noProof="0" smtClean="0"/>
-              <a:t>10/05/2025</a:t>
+              <a:t>11/05/2025</a:t>
             </a:fld>
             <a:endParaRPr lang="en-US" noProof="0"/>
           </a:p>
@@ -17891,6 +17891,154 @@
               <a:t>5</a:t>
             </a:fld>
             <a:endParaRPr lang="en-US" noProof="0"/>
+          </a:p>
+        </p:txBody>
+      </p:sp>
+      <p:sp>
+        <p:nvSpPr>
+          <p:cNvPr id="5" name="Rectangle 5">
+            <a:extLst>
+              <a:ext uri="{FF2B5EF4-FFF2-40B4-BE49-F238E27FC236}">
+                <a16:creationId xmlns:a16="http://schemas.microsoft.com/office/drawing/2014/main" id="{53956272-8A3D-4F54-05C8-32EB348AD581}"/>
+              </a:ext>
+            </a:extLst>
+          </p:cNvPr>
+          <p:cNvSpPr/>
+          <p:nvPr/>
+        </p:nvSpPr>
+        <p:spPr>
+          <a:xfrm>
+            <a:off x="4519416" y="2874924"/>
+            <a:ext cx="4456944" cy="646331"/>
+          </a:xfrm>
+          <a:prstGeom prst="rect">
+            <a:avLst/>
+          </a:prstGeom>
+          <a:solidFill>
+            <a:schemeClr val="bg1"/>
+          </a:solidFill>
+          <a:ln w="6350">
+            <a:solidFill>
+              <a:srgbClr val="FF6600"/>
+            </a:solidFill>
+          </a:ln>
+        </p:spPr>
+        <p:txBody>
+          <a:bodyPr wrap="square" anchor="ctr">
+            <a:spAutoFit/>
+          </a:bodyPr>
+          <a:lstStyle>
+            <a:defPPr>
+              <a:defRPr lang="en-US"/>
+            </a:defPPr>
+            <a:lvl1pPr marL="0" algn="l" defTabSz="914400" rtl="0" eaLnBrk="1" latinLnBrk="0" hangingPunct="1">
+              <a:defRPr sz="1800" kern="1200">
+                <a:solidFill>
+                  <a:schemeClr val="tx1"/>
+                </a:solidFill>
+                <a:latin typeface="+mn-lt"/>
+                <a:ea typeface="+mn-ea"/>
+                <a:cs typeface="+mn-cs"/>
+              </a:defRPr>
+            </a:lvl1pPr>
+            <a:lvl2pPr marL="457200" algn="l" defTabSz="914400" rtl="0" eaLnBrk="1" latinLnBrk="0" hangingPunct="1">
+              <a:defRPr sz="1800" kern="1200">
+                <a:solidFill>
+                  <a:schemeClr val="tx1"/>
+                </a:solidFill>
+                <a:latin typeface="+mn-lt"/>
+                <a:ea typeface="+mn-ea"/>
+                <a:cs typeface="+mn-cs"/>
+              </a:defRPr>
+            </a:lvl2pPr>
+            <a:lvl3pPr marL="914400" algn="l" defTabSz="914400" rtl="0" eaLnBrk="1" latinLnBrk="0" hangingPunct="1">
+              <a:defRPr sz="1800" kern="1200">
+                <a:solidFill>
+                  <a:schemeClr val="tx1"/>
+                </a:solidFill>
+                <a:latin typeface="+mn-lt"/>
+                <a:ea typeface="+mn-ea"/>
+                <a:cs typeface="+mn-cs"/>
+              </a:defRPr>
+            </a:lvl3pPr>
+            <a:lvl4pPr marL="1371600" algn="l" defTabSz="914400" rtl="0" eaLnBrk="1" latinLnBrk="0" hangingPunct="1">
+              <a:defRPr sz="1800" kern="1200">
+                <a:solidFill>
+                  <a:schemeClr val="tx1"/>
+                </a:solidFill>
+                <a:latin typeface="+mn-lt"/>
+                <a:ea typeface="+mn-ea"/>
+                <a:cs typeface="+mn-cs"/>
+              </a:defRPr>
+            </a:lvl4pPr>
+            <a:lvl5pPr marL="1828800" algn="l" defTabSz="914400" rtl="0" eaLnBrk="1" latinLnBrk="0" hangingPunct="1">
+              <a:defRPr sz="1800" kern="1200">
+                <a:solidFill>
+                  <a:schemeClr val="tx1"/>
+                </a:solidFill>
+                <a:latin typeface="+mn-lt"/>
+                <a:ea typeface="+mn-ea"/>
+                <a:cs typeface="+mn-cs"/>
+              </a:defRPr>
+            </a:lvl5pPr>
+            <a:lvl6pPr marL="2286000" algn="l" defTabSz="914400" rtl="0" eaLnBrk="1" latinLnBrk="0" hangingPunct="1">
+              <a:defRPr sz="1800" kern="1200">
+                <a:solidFill>
+                  <a:schemeClr val="tx1"/>
+                </a:solidFill>
+                <a:latin typeface="+mn-lt"/>
+                <a:ea typeface="+mn-ea"/>
+                <a:cs typeface="+mn-cs"/>
+              </a:defRPr>
+            </a:lvl6pPr>
+            <a:lvl7pPr marL="2743200" algn="l" defTabSz="914400" rtl="0" eaLnBrk="1" latinLnBrk="0" hangingPunct="1">
+              <a:defRPr sz="1800" kern="1200">
+                <a:solidFill>
+                  <a:schemeClr val="tx1"/>
+                </a:solidFill>
+                <a:latin typeface="+mn-lt"/>
+                <a:ea typeface="+mn-ea"/>
+                <a:cs typeface="+mn-cs"/>
+              </a:defRPr>
+            </a:lvl7pPr>
+            <a:lvl8pPr marL="3200400" algn="l" defTabSz="914400" rtl="0" eaLnBrk="1" latinLnBrk="0" hangingPunct="1">
+              <a:defRPr sz="1800" kern="1200">
+                <a:solidFill>
+                  <a:schemeClr val="tx1"/>
+                </a:solidFill>
+                <a:latin typeface="+mn-lt"/>
+                <a:ea typeface="+mn-ea"/>
+                <a:cs typeface="+mn-cs"/>
+              </a:defRPr>
+            </a:lvl8pPr>
+            <a:lvl9pPr marL="3657600" algn="l" defTabSz="914400" rtl="0" eaLnBrk="1" latinLnBrk="0" hangingPunct="1">
+              <a:defRPr sz="1800" kern="1200">
+                <a:solidFill>
+                  <a:schemeClr val="tx1"/>
+                </a:solidFill>
+                <a:latin typeface="+mn-lt"/>
+                <a:ea typeface="+mn-ea"/>
+                <a:cs typeface="+mn-cs"/>
+              </a:defRPr>
+            </a:lvl9pPr>
+          </a:lstStyle>
+          <a:p>
+            <a:pPr algn="ctr"/>
+            <a:r>
+              <a:rPr lang="en-US" sz="1200" dirty="0">
+                <a:solidFill>
+                  <a:srgbClr val="FF6600"/>
+                </a:solidFill>
+                <a:latin typeface="Raleway Light" panose="020B0403030101060003" pitchFamily="34" charset="77"/>
+              </a:rPr>
+              <a:t>Tomcat v11.0.4 is only available starting from Eclipse 2025-03, as it requires Jakarta EE 10 support and the transition from javax.* to jakarta.* packages.</a:t>
+            </a:r>
+            <a:endParaRPr lang="en-IT" sz="1200" dirty="0">
+              <a:solidFill>
+                <a:srgbClr val="FF6600"/>
+              </a:solidFill>
+              <a:latin typeface="Raleway Light" panose="020B0403030101060003" pitchFamily="34" charset="77"/>
+            </a:endParaRPr>
           </a:p>
         </p:txBody>
       </p:sp>
@@ -18135,7 +18283,7 @@
           <a:p>
             <a:fld id="{4A653FD3-74C7-8045-AB93-E55D3C66F947}" type="datetime1">
               <a:rPr lang="it-IT" noProof="0" smtClean="0"/>
-              <a:t>10/05/2025</a:t>
+              <a:t>11/05/2025</a:t>
             </a:fld>
             <a:endParaRPr lang="en-US" noProof="0"/>
           </a:p>
@@ -18416,7 +18564,7 @@
           <a:p>
             <a:fld id="{67D921E3-6435-5642-8376-DEEEAD0592B2}" type="datetime1">
               <a:rPr lang="it-IT" noProof="0" smtClean="0"/>
-              <a:t>10/05/2025</a:t>
+              <a:t>11/05/2025</a:t>
             </a:fld>
             <a:endParaRPr lang="en-US" noProof="0"/>
           </a:p>
@@ -19392,7 +19540,7 @@
           <a:p>
             <a:fld id="{4A653FD3-74C7-8045-AB93-E55D3C66F947}" type="datetime1">
               <a:rPr lang="it-IT" noProof="0" smtClean="0"/>
-              <a:t>10/05/2025</a:t>
+              <a:t>11/05/2025</a:t>
             </a:fld>
             <a:endParaRPr lang="en-US" noProof="0"/>
           </a:p>
@@ -19960,7 +20108,7 @@
           <a:p>
             <a:fld id="{74840A10-CD70-B549-805D-33D659664CEA}" type="datetime1">
               <a:rPr lang="it-IT" noProof="0" smtClean="0"/>
-              <a:t>10/05/2025</a:t>
+              <a:t>11/05/2025</a:t>
             </a:fld>
             <a:endParaRPr lang="en-US" noProof="0"/>
           </a:p>
@@ -20784,18 +20932,18 @@
 </file>
 
 <file path=customXml/item1.xml><?xml version="1.0" encoding="utf-8"?>
+<p:properties xmlns:p="http://schemas.microsoft.com/office/2006/metadata/properties" xmlns:xsi="http://www.w3.org/2001/XMLSchema-instance" xmlns:pc="http://schemas.microsoft.com/office/infopath/2007/PartnerControls">
+  <documentManagement/>
+</p:properties>
+</file>
+
+<file path=customXml/item2.xml><?xml version="1.0" encoding="utf-8"?>
 <?mso-contentType ?>
 <FormTemplates xmlns="http://schemas.microsoft.com/sharepoint/v3/contenttype/forms">
   <Display>DocumentLibraryForm</Display>
   <Edit>DocumentLibraryForm</Edit>
   <New>DocumentLibraryForm</New>
 </FormTemplates>
-</file>
-
-<file path=customXml/item2.xml><?xml version="1.0" encoding="utf-8"?>
-<p:properties xmlns:p="http://schemas.microsoft.com/office/2006/metadata/properties" xmlns:xsi="http://www.w3.org/2001/XMLSchema-instance" xmlns:pc="http://schemas.microsoft.com/office/infopath/2007/PartnerControls">
-  <documentManagement/>
-</p:properties>
 </file>
 
 <file path=customXml/item3.xml><?xml version="1.0" encoding="utf-8"?>
@@ -20937,18 +21085,18 @@
 </file>
 
 <file path=customXml/itemProps1.xml><?xml version="1.0" encoding="utf-8"?>
-<ds:datastoreItem xmlns:ds="http://schemas.openxmlformats.org/officeDocument/2006/customXml" ds:itemID="{9A531606-AEC1-44A7-A61C-2996AEE368D1}">
+<ds:datastoreItem xmlns:ds="http://schemas.openxmlformats.org/officeDocument/2006/customXml" ds:itemID="{3AB7779E-58E6-4884-8898-B841B14F0622}">
   <ds:schemaRefs>
-    <ds:schemaRef ds:uri="http://schemas.microsoft.com/sharepoint/v3/contenttype/forms"/>
+    <ds:schemaRef ds:uri="http://schemas.microsoft.com/office/2006/metadata/properties"/>
+    <ds:schemaRef ds:uri="http://schemas.microsoft.com/office/infopath/2007/PartnerControls"/>
   </ds:schemaRefs>
 </ds:datastoreItem>
 </file>
 
 <file path=customXml/itemProps2.xml><?xml version="1.0" encoding="utf-8"?>
-<ds:datastoreItem xmlns:ds="http://schemas.openxmlformats.org/officeDocument/2006/customXml" ds:itemID="{3AB7779E-58E6-4884-8898-B841B14F0622}">
+<ds:datastoreItem xmlns:ds="http://schemas.openxmlformats.org/officeDocument/2006/customXml" ds:itemID="{9A531606-AEC1-44A7-A61C-2996AEE368D1}">
   <ds:schemaRefs>
-    <ds:schemaRef ds:uri="http://schemas.microsoft.com/office/2006/metadata/properties"/>
-    <ds:schemaRef ds:uri="http://schemas.microsoft.com/office/infopath/2007/PartnerControls"/>
+    <ds:schemaRef ds:uri="http://schemas.microsoft.com/sharepoint/v3/contenttype/forms"/>
   </ds:schemaRefs>
 </ds:datastoreItem>
 </file>

--- a/Midterm part 2/3_3-1 bis - Developing REST WS with Apache CXF-Maven and Asynch.pptx
+++ b/Midterm part 2/3_3-1 bis - Developing REST WS with Apache CXF-Maven and Asynch.pptx
@@ -840,7 +840,7 @@
           <a:p>
             <a:fld id="{877B38AC-E450-5B48-BDB6-2D3873A76C93}" type="datetimeFigureOut">
               <a:rPr lang="en-US" smtClean="0"/>
-              <a:t>5/11/2025</a:t>
+              <a:t>5/21/2025</a:t>
             </a:fld>
             <a:endParaRPr lang="en-US"/>
           </a:p>
@@ -3807,7 +3807,7 @@
           <a:p>
             <a:fld id="{9F4E9B09-B5A2-924E-A487-1028478D4296}" type="datetime1">
               <a:rPr lang="it-IT" smtClean="0"/>
-              <a:t>11/05/2025</a:t>
+              <a:t>21/05/2025</a:t>
             </a:fld>
             <a:endParaRPr lang="en-US"/>
           </a:p>
@@ -3979,7 +3979,7 @@
           <a:p>
             <a:fld id="{8FA4D0E0-9510-F04B-949B-2D135BF18E4B}" type="datetime1">
               <a:rPr lang="it-IT" smtClean="0"/>
-              <a:t>11/05/2025</a:t>
+              <a:t>21/05/2025</a:t>
             </a:fld>
             <a:endParaRPr lang="en-US"/>
           </a:p>
@@ -4196,7 +4196,7 @@
           <a:p>
             <a:fld id="{CB07D971-BD2A-0F4C-B510-027FE2F0BAFB}" type="datetime1">
               <a:rPr lang="it-IT" smtClean="0"/>
-              <a:t>11/05/2025</a:t>
+              <a:t>21/05/2025</a:t>
             </a:fld>
             <a:endParaRPr lang="en-US"/>
           </a:p>
@@ -4418,7 +4418,7 @@
           <a:p>
             <a:fld id="{4A653FD3-74C7-8045-AB93-E55D3C66F947}" type="datetime1">
               <a:rPr lang="it-IT" noProof="0" smtClean="0"/>
-              <a:t>11/05/2025</a:t>
+              <a:t>21/05/2025</a:t>
             </a:fld>
             <a:endParaRPr lang="en-US" noProof="0"/>
           </a:p>
@@ -4739,7 +4739,7 @@
           <a:p>
             <a:fld id="{739AE1C2-C318-6B46-9628-349365E41D41}" type="datetime1">
               <a:rPr lang="it-IT" smtClean="0"/>
-              <a:t>11/05/2025</a:t>
+              <a:t>21/05/2025</a:t>
             </a:fld>
             <a:endParaRPr lang="en-US"/>
           </a:p>
@@ -4972,7 +4972,7 @@
           <a:p>
             <a:fld id="{F899C3EE-7647-C04B-B5FF-C35CBBD4A11D}" type="datetime1">
               <a:rPr lang="it-IT" smtClean="0"/>
-              <a:t>11/05/2025</a:t>
+              <a:t>21/05/2025</a:t>
             </a:fld>
             <a:endParaRPr lang="en-US"/>
           </a:p>
@@ -5375,7 +5375,7 @@
           <a:p>
             <a:fld id="{51E91F9A-42E3-2E48-B90A-36BF7FEEA252}" type="datetime1">
               <a:rPr lang="it-IT" smtClean="0"/>
-              <a:t>11/05/2025</a:t>
+              <a:t>21/05/2025</a:t>
             </a:fld>
             <a:endParaRPr lang="en-US"/>
           </a:p>
@@ -5496,7 +5496,7 @@
           <a:p>
             <a:fld id="{7B1AFE78-566A-C04B-BD86-13F78A1981B0}" type="datetime1">
               <a:rPr lang="it-IT" smtClean="0"/>
-              <a:t>11/05/2025</a:t>
+              <a:t>21/05/2025</a:t>
             </a:fld>
             <a:endParaRPr lang="en-US"/>
           </a:p>
@@ -5630,7 +5630,7 @@
           <a:p>
             <a:fld id="{47AF4D5A-A06D-4D4D-8596-49910891D0ED}" type="datetime1">
               <a:rPr lang="it-IT" smtClean="0"/>
-              <a:t>11/05/2025</a:t>
+              <a:t>21/05/2025</a:t>
             </a:fld>
             <a:endParaRPr lang="en-US"/>
           </a:p>
@@ -5909,7 +5909,7 @@
           <a:p>
             <a:fld id="{C01B9560-299C-6046-B613-D8EC3ACB2050}" type="datetime1">
               <a:rPr lang="it-IT" smtClean="0"/>
-              <a:t>11/05/2025</a:t>
+              <a:t>21/05/2025</a:t>
             </a:fld>
             <a:endParaRPr lang="en-US"/>
           </a:p>
@@ -6168,7 +6168,7 @@
           <a:p>
             <a:fld id="{D26B8818-ADCB-B540-AEA4-64FF44584E79}" type="datetime1">
               <a:rPr lang="it-IT" smtClean="0"/>
-              <a:t>11/05/2025</a:t>
+              <a:t>21/05/2025</a:t>
             </a:fld>
             <a:endParaRPr lang="en-US"/>
           </a:p>
@@ -6384,7 +6384,7 @@
           <a:p>
             <a:fld id="{DEB44A84-981A-1B41-BC05-555ED4612FF0}" type="datetime1">
               <a:rPr lang="it-IT" smtClean="0"/>
-              <a:t>11/05/2025</a:t>
+              <a:t>21/05/2025</a:t>
             </a:fld>
             <a:endParaRPr lang="en-US"/>
           </a:p>
@@ -7532,7 +7532,7 @@
           <a:p>
             <a:fld id="{4A653FD3-74C7-8045-AB93-E55D3C66F947}" type="datetime1">
               <a:rPr lang="it-IT" noProof="0" smtClean="0"/>
-              <a:t>11/05/2025</a:t>
+              <a:t>21/05/2025</a:t>
             </a:fld>
             <a:endParaRPr lang="en-US" noProof="0"/>
           </a:p>
@@ -7690,7 +7690,7 @@
           <a:p>
             <a:fld id="{4A653FD3-74C7-8045-AB93-E55D3C66F947}" type="datetime1">
               <a:rPr lang="it-IT" noProof="0" smtClean="0"/>
-              <a:t>11/05/2025</a:t>
+              <a:t>21/05/2025</a:t>
             </a:fld>
             <a:endParaRPr lang="en-US" noProof="0"/>
           </a:p>
@@ -8087,7 +8087,7 @@
           <a:p>
             <a:fld id="{958B5172-E2AB-3346-8330-4D0F8C8C161D}" type="datetime1">
               <a:rPr lang="it-IT" noProof="0" smtClean="0"/>
-              <a:t>11/05/2025</a:t>
+              <a:t>21/05/2025</a:t>
             </a:fld>
             <a:endParaRPr lang="en-US" noProof="0"/>
           </a:p>
@@ -8430,7 +8430,7 @@
           <a:p>
             <a:fld id="{79AD4101-44B2-5141-B8B5-0CC2FD8FF177}" type="datetime1">
               <a:rPr lang="it-IT" noProof="0" smtClean="0"/>
-              <a:t>11/05/2025</a:t>
+              <a:t>21/05/2025</a:t>
             </a:fld>
             <a:endParaRPr lang="en-US" noProof="0"/>
           </a:p>
@@ -9154,7 +9154,7 @@
           <a:p>
             <a:fld id="{DF9C7914-E85F-AD43-8570-D11A198959F4}" type="datetime1">
               <a:rPr lang="it-IT" noProof="0" smtClean="0"/>
-              <a:t>11/05/2025</a:t>
+              <a:t>21/05/2025</a:t>
             </a:fld>
             <a:endParaRPr lang="en-US" noProof="0"/>
           </a:p>
@@ -9771,7 +9771,7 @@
           <a:p>
             <a:fld id="{425F6142-001F-8947-A528-68E26AEEF8BB}" type="datetime1">
               <a:rPr lang="it-IT" noProof="0" smtClean="0"/>
-              <a:t>11/05/2025</a:t>
+              <a:t>21/05/2025</a:t>
             </a:fld>
             <a:endParaRPr lang="en-US" noProof="0"/>
           </a:p>
@@ -10185,7 +10185,7 @@
           <a:p>
             <a:fld id="{AC16CFDC-C932-6342-8390-4484A492270E}" type="datetime1">
               <a:rPr lang="it-IT" noProof="0" smtClean="0"/>
-              <a:t>11/05/2025</a:t>
+              <a:t>21/05/2025</a:t>
             </a:fld>
             <a:endParaRPr lang="en-US" noProof="0"/>
           </a:p>
@@ -10225,7 +10225,7 @@
         </p:nvCxnSpPr>
         <p:spPr>
           <a:xfrm flipH="1">
-            <a:off x="5196090" y="2810436"/>
+            <a:off x="5618873" y="2289420"/>
             <a:ext cx="421177" cy="68519"/>
           </a:xfrm>
           <a:prstGeom prst="straightConnector1">
@@ -10261,7 +10261,7 @@
         </p:nvSpPr>
         <p:spPr>
           <a:xfrm>
-            <a:off x="5617267" y="2666436"/>
+            <a:off x="6040050" y="2145420"/>
             <a:ext cx="288000" cy="288000"/>
           </a:xfrm>
           <a:prstGeom prst="ellipse">
@@ -10307,7 +10307,7 @@
         </p:nvCxnSpPr>
         <p:spPr>
           <a:xfrm flipH="1" flipV="1">
-            <a:off x="4963532" y="4548072"/>
+            <a:off x="5330873" y="4160145"/>
             <a:ext cx="421177" cy="144000"/>
           </a:xfrm>
           <a:prstGeom prst="straightConnector1">
@@ -10343,7 +10343,7 @@
         </p:nvSpPr>
         <p:spPr>
           <a:xfrm>
-            <a:off x="5384709" y="4548072"/>
+            <a:off x="5752050" y="4160145"/>
             <a:ext cx="288000" cy="288000"/>
           </a:xfrm>
           <a:prstGeom prst="ellipse">
@@ -10486,7 +10486,7 @@
           <a:p>
             <a:fld id="{622EF31E-D869-CD4C-A6B1-50769005870B}" type="datetime1">
               <a:rPr lang="it-IT" noProof="0" smtClean="0"/>
-              <a:t>11/05/2025</a:t>
+              <a:t>21/05/2025</a:t>
             </a:fld>
             <a:endParaRPr lang="en-US" noProof="0"/>
           </a:p>
@@ -10765,7 +10765,7 @@
           <a:p>
             <a:fld id="{7413F0C9-A346-F841-B5A5-F306273CE6A5}" type="datetime1">
               <a:rPr lang="it-IT" noProof="0" smtClean="0"/>
-              <a:t>11/05/2025</a:t>
+              <a:t>21/05/2025</a:t>
             </a:fld>
             <a:endParaRPr lang="en-US" noProof="0"/>
           </a:p>
@@ -11171,7 +11171,7 @@
           <a:p>
             <a:fld id="{D8F6824B-E022-074D-B43A-E96622677D55}" type="datetime1">
               <a:rPr lang="it-IT" noProof="0" smtClean="0"/>
-              <a:t>11/05/2025</a:t>
+              <a:t>21/05/2025</a:t>
             </a:fld>
             <a:endParaRPr lang="en-US" noProof="0"/>
           </a:p>
@@ -11716,7 +11716,7 @@
           <a:p>
             <a:fld id="{C07B4D1B-2933-4046-8201-F0CEC42142AE}" type="datetime1">
               <a:rPr lang="it-IT" noProof="0" smtClean="0"/>
-              <a:t>11/05/2025</a:t>
+              <a:t>21/05/2025</a:t>
             </a:fld>
             <a:endParaRPr lang="en-US" noProof="0"/>
           </a:p>
@@ -12244,7 +12244,7 @@
           <a:p>
             <a:fld id="{D1320C11-E86F-1341-96E5-92FA886F7D9B}" type="datetime1">
               <a:rPr lang="it-IT" noProof="0" smtClean="0"/>
-              <a:t>11/05/2025</a:t>
+              <a:t>21/05/2025</a:t>
             </a:fld>
             <a:endParaRPr lang="en-US" noProof="0"/>
           </a:p>
@@ -12843,7 +12843,7 @@
           <a:p>
             <a:fld id="{D13E1EF2-B548-F343-8C0D-5A3E95F5AF6D}" type="datetime1">
               <a:rPr lang="it-IT" noProof="0" smtClean="0"/>
-              <a:t>11/05/2025</a:t>
+              <a:t>21/05/2025</a:t>
             </a:fld>
             <a:endParaRPr lang="en-US" noProof="0"/>
           </a:p>
@@ -13352,7 +13352,7 @@
           <a:p>
             <a:fld id="{6AF11175-D0CE-A245-B0D7-F934C05D742A}" type="datetime1">
               <a:rPr lang="it-IT" noProof="0" smtClean="0"/>
-              <a:t>11/05/2025</a:t>
+              <a:t>21/05/2025</a:t>
             </a:fld>
             <a:endParaRPr lang="en-US" noProof="0"/>
           </a:p>
@@ -13679,7 +13679,7 @@
           <a:p>
             <a:fld id="{1362CF24-8187-9F43-A7E4-EEC7B0838B03}" type="datetime1">
               <a:rPr lang="it-IT" noProof="0" smtClean="0"/>
-              <a:t>11/05/2025</a:t>
+              <a:t>21/05/2025</a:t>
             </a:fld>
             <a:endParaRPr lang="en-US" noProof="0"/>
           </a:p>
@@ -14312,7 +14312,7 @@
           <a:p>
             <a:fld id="{E92DB9AC-53A0-0E45-B2B4-7DB8956C00ED}" type="datetime1">
               <a:rPr lang="it-IT" noProof="0" smtClean="0"/>
-              <a:t>11/05/2025</a:t>
+              <a:t>21/05/2025</a:t>
             </a:fld>
             <a:endParaRPr lang="en-US" noProof="0"/>
           </a:p>
@@ -14827,7 +14827,7 @@
           <a:p>
             <a:fld id="{6B64C5DE-68E2-F144-860E-AB6697F8FECB}" type="datetime1">
               <a:rPr lang="it-IT" noProof="0" smtClean="0"/>
-              <a:t>11/05/2025</a:t>
+              <a:t>21/05/2025</a:t>
             </a:fld>
             <a:endParaRPr lang="en-US" noProof="0"/>
           </a:p>
@@ -15113,7 +15113,7 @@
           <a:p>
             <a:fld id="{DF7307B2-2F77-E649-B6B0-C97ED1CDD235}" type="datetime1">
               <a:rPr lang="it-IT" noProof="0" smtClean="0"/>
-              <a:t>11/05/2025</a:t>
+              <a:t>21/05/2025</a:t>
             </a:fld>
             <a:endParaRPr lang="en-US" noProof="0"/>
           </a:p>
@@ -15582,7 +15582,7 @@
           <a:p>
             <a:fld id="{4A653FD3-74C7-8045-AB93-E55D3C66F947}" type="datetime1">
               <a:rPr lang="it-IT" noProof="0" smtClean="0"/>
-              <a:t>11/05/2025</a:t>
+              <a:t>21/05/2025</a:t>
             </a:fld>
             <a:endParaRPr lang="en-US" noProof="0"/>
           </a:p>
@@ -16063,7 +16063,7 @@
           <a:p>
             <a:fld id="{1FFF1784-E9F0-F541-B1E9-2197BBCC13B8}" type="datetime1">
               <a:rPr lang="it-IT" noProof="0" smtClean="0"/>
-              <a:t>11/05/2025</a:t>
+              <a:t>21/05/2025</a:t>
             </a:fld>
             <a:endParaRPr lang="en-US" noProof="0"/>
           </a:p>
@@ -16208,7 +16208,7 @@
           <a:p>
             <a:fld id="{4A653FD3-74C7-8045-AB93-E55D3C66F947}" type="datetime1">
               <a:rPr lang="it-IT" noProof="0" smtClean="0"/>
-              <a:t>11/05/2025</a:t>
+              <a:t>21/05/2025</a:t>
             </a:fld>
             <a:endParaRPr lang="en-US" noProof="0"/>
           </a:p>
@@ -16356,7 +16356,7 @@
           <a:p>
             <a:fld id="{D37CEDE9-D7E7-BD45-9E3A-F83FE50D4A9B}" type="datetime1">
               <a:rPr lang="it-IT" noProof="0" smtClean="0"/>
-              <a:t>11/05/2025</a:t>
+              <a:t>21/05/2025</a:t>
             </a:fld>
             <a:endParaRPr lang="en-US" noProof="0"/>
           </a:p>
@@ -16590,7 +16590,7 @@
           <a:p>
             <a:fld id="{BC59D01D-21FE-4440-93A2-0391C6145256}" type="datetime1">
               <a:rPr lang="it-IT" noProof="0" smtClean="0"/>
-              <a:t>11/05/2025</a:t>
+              <a:t>21/05/2025</a:t>
             </a:fld>
             <a:endParaRPr lang="en-US" noProof="0"/>
           </a:p>
@@ -17065,7 +17065,7 @@
           <a:p>
             <a:fld id="{C07B4D1B-2933-4046-8201-F0CEC42142AE}" type="datetime1">
               <a:rPr lang="it-IT" noProof="0" smtClean="0"/>
-              <a:t>11/05/2025</a:t>
+              <a:t>21/05/2025</a:t>
             </a:fld>
             <a:endParaRPr lang="en-US" noProof="0"/>
           </a:p>
@@ -17864,7 +17864,7 @@
           <a:p>
             <a:fld id="{F3BB4206-BE4B-484D-9FE9-53F60E0FD1BD}" type="datetime1">
               <a:rPr lang="it-IT" noProof="0" smtClean="0"/>
-              <a:t>11/05/2025</a:t>
+              <a:t>21/05/2025</a:t>
             </a:fld>
             <a:endParaRPr lang="en-US" noProof="0"/>
           </a:p>
@@ -18283,7 +18283,7 @@
           <a:p>
             <a:fld id="{4A653FD3-74C7-8045-AB93-E55D3C66F947}" type="datetime1">
               <a:rPr lang="it-IT" noProof="0" smtClean="0"/>
-              <a:t>11/05/2025</a:t>
+              <a:t>21/05/2025</a:t>
             </a:fld>
             <a:endParaRPr lang="en-US" noProof="0"/>
           </a:p>
@@ -18564,7 +18564,7 @@
           <a:p>
             <a:fld id="{67D921E3-6435-5642-8376-DEEEAD0592B2}" type="datetime1">
               <a:rPr lang="it-IT" noProof="0" smtClean="0"/>
-              <a:t>11/05/2025</a:t>
+              <a:t>21/05/2025</a:t>
             </a:fld>
             <a:endParaRPr lang="en-US" noProof="0"/>
           </a:p>
@@ -19540,7 +19540,7 @@
           <a:p>
             <a:fld id="{4A653FD3-74C7-8045-AB93-E55D3C66F947}" type="datetime1">
               <a:rPr lang="it-IT" noProof="0" smtClean="0"/>
-              <a:t>11/05/2025</a:t>
+              <a:t>21/05/2025</a:t>
             </a:fld>
             <a:endParaRPr lang="en-US" noProof="0"/>
           </a:p>
@@ -20108,7 +20108,7 @@
           <a:p>
             <a:fld id="{74840A10-CD70-B549-805D-33D659664CEA}" type="datetime1">
               <a:rPr lang="it-IT" noProof="0" smtClean="0"/>
-              <a:t>11/05/2025</a:t>
+              <a:t>21/05/2025</a:t>
             </a:fld>
             <a:endParaRPr lang="en-US" noProof="0"/>
           </a:p>
@@ -20932,18 +20932,18 @@
 </file>
 
 <file path=customXml/item1.xml><?xml version="1.0" encoding="utf-8"?>
-<p:properties xmlns:p="http://schemas.microsoft.com/office/2006/metadata/properties" xmlns:xsi="http://www.w3.org/2001/XMLSchema-instance" xmlns:pc="http://schemas.microsoft.com/office/infopath/2007/PartnerControls">
-  <documentManagement/>
-</p:properties>
-</file>
-
-<file path=customXml/item2.xml><?xml version="1.0" encoding="utf-8"?>
 <?mso-contentType ?>
 <FormTemplates xmlns="http://schemas.microsoft.com/sharepoint/v3/contenttype/forms">
   <Display>DocumentLibraryForm</Display>
   <Edit>DocumentLibraryForm</Edit>
   <New>DocumentLibraryForm</New>
 </FormTemplates>
+</file>
+
+<file path=customXml/item2.xml><?xml version="1.0" encoding="utf-8"?>
+<p:properties xmlns:p="http://schemas.microsoft.com/office/2006/metadata/properties" xmlns:xsi="http://www.w3.org/2001/XMLSchema-instance" xmlns:pc="http://schemas.microsoft.com/office/infopath/2007/PartnerControls">
+  <documentManagement/>
+</p:properties>
 </file>
 
 <file path=customXml/item3.xml><?xml version="1.0" encoding="utf-8"?>
@@ -21085,18 +21085,18 @@
 </file>
 
 <file path=customXml/itemProps1.xml><?xml version="1.0" encoding="utf-8"?>
-<ds:datastoreItem xmlns:ds="http://schemas.openxmlformats.org/officeDocument/2006/customXml" ds:itemID="{3AB7779E-58E6-4884-8898-B841B14F0622}">
+<ds:datastoreItem xmlns:ds="http://schemas.openxmlformats.org/officeDocument/2006/customXml" ds:itemID="{9A531606-AEC1-44A7-A61C-2996AEE368D1}">
   <ds:schemaRefs>
-    <ds:schemaRef ds:uri="http://schemas.microsoft.com/office/2006/metadata/properties"/>
-    <ds:schemaRef ds:uri="http://schemas.microsoft.com/office/infopath/2007/PartnerControls"/>
+    <ds:schemaRef ds:uri="http://schemas.microsoft.com/sharepoint/v3/contenttype/forms"/>
   </ds:schemaRefs>
 </ds:datastoreItem>
 </file>
 
 <file path=customXml/itemProps2.xml><?xml version="1.0" encoding="utf-8"?>
-<ds:datastoreItem xmlns:ds="http://schemas.openxmlformats.org/officeDocument/2006/customXml" ds:itemID="{9A531606-AEC1-44A7-A61C-2996AEE368D1}">
+<ds:datastoreItem xmlns:ds="http://schemas.openxmlformats.org/officeDocument/2006/customXml" ds:itemID="{3AB7779E-58E6-4884-8898-B841B14F0622}">
   <ds:schemaRefs>
-    <ds:schemaRef ds:uri="http://schemas.microsoft.com/sharepoint/v3/contenttype/forms"/>
+    <ds:schemaRef ds:uri="http://schemas.microsoft.com/office/2006/metadata/properties"/>
+    <ds:schemaRef ds:uri="http://schemas.microsoft.com/office/infopath/2007/PartnerControls"/>
   </ds:schemaRefs>
 </ds:datastoreItem>
 </file>

--- a/Midterm part 2/3_3-1 bis - Developing REST WS with Apache CXF-Maven and Asynch.pptx
+++ b/Midterm part 2/3_3-1 bis - Developing REST WS with Apache CXF-Maven and Asynch.pptx
@@ -840,7 +840,7 @@
           <a:p>
             <a:fld id="{877B38AC-E450-5B48-BDB6-2D3873A76C93}" type="datetimeFigureOut">
               <a:rPr lang="en-US" smtClean="0"/>
-              <a:t>5/21/2025</a:t>
+              <a:t>5/22/2025</a:t>
             </a:fld>
             <a:endParaRPr lang="en-US"/>
           </a:p>
@@ -3807,7 +3807,7 @@
           <a:p>
             <a:fld id="{9F4E9B09-B5A2-924E-A487-1028478D4296}" type="datetime1">
               <a:rPr lang="it-IT" smtClean="0"/>
-              <a:t>21/05/2025</a:t>
+              <a:t>22/05/2025</a:t>
             </a:fld>
             <a:endParaRPr lang="en-US"/>
           </a:p>
@@ -3979,7 +3979,7 @@
           <a:p>
             <a:fld id="{8FA4D0E0-9510-F04B-949B-2D135BF18E4B}" type="datetime1">
               <a:rPr lang="it-IT" smtClean="0"/>
-              <a:t>21/05/2025</a:t>
+              <a:t>22/05/2025</a:t>
             </a:fld>
             <a:endParaRPr lang="en-US"/>
           </a:p>
@@ -4196,7 +4196,7 @@
           <a:p>
             <a:fld id="{CB07D971-BD2A-0F4C-B510-027FE2F0BAFB}" type="datetime1">
               <a:rPr lang="it-IT" smtClean="0"/>
-              <a:t>21/05/2025</a:t>
+              <a:t>22/05/2025</a:t>
             </a:fld>
             <a:endParaRPr lang="en-US"/>
           </a:p>
@@ -4418,7 +4418,7 @@
           <a:p>
             <a:fld id="{4A653FD3-74C7-8045-AB93-E55D3C66F947}" type="datetime1">
               <a:rPr lang="it-IT" noProof="0" smtClean="0"/>
-              <a:t>21/05/2025</a:t>
+              <a:t>22/05/2025</a:t>
             </a:fld>
             <a:endParaRPr lang="en-US" noProof="0"/>
           </a:p>
@@ -4739,7 +4739,7 @@
           <a:p>
             <a:fld id="{739AE1C2-C318-6B46-9628-349365E41D41}" type="datetime1">
               <a:rPr lang="it-IT" smtClean="0"/>
-              <a:t>21/05/2025</a:t>
+              <a:t>22/05/2025</a:t>
             </a:fld>
             <a:endParaRPr lang="en-US"/>
           </a:p>
@@ -4972,7 +4972,7 @@
           <a:p>
             <a:fld id="{F899C3EE-7647-C04B-B5FF-C35CBBD4A11D}" type="datetime1">
               <a:rPr lang="it-IT" smtClean="0"/>
-              <a:t>21/05/2025</a:t>
+              <a:t>22/05/2025</a:t>
             </a:fld>
             <a:endParaRPr lang="en-US"/>
           </a:p>
@@ -5375,7 +5375,7 @@
           <a:p>
             <a:fld id="{51E91F9A-42E3-2E48-B90A-36BF7FEEA252}" type="datetime1">
               <a:rPr lang="it-IT" smtClean="0"/>
-              <a:t>21/05/2025</a:t>
+              <a:t>22/05/2025</a:t>
             </a:fld>
             <a:endParaRPr lang="en-US"/>
           </a:p>
@@ -5496,7 +5496,7 @@
           <a:p>
             <a:fld id="{7B1AFE78-566A-C04B-BD86-13F78A1981B0}" type="datetime1">
               <a:rPr lang="it-IT" smtClean="0"/>
-              <a:t>21/05/2025</a:t>
+              <a:t>22/05/2025</a:t>
             </a:fld>
             <a:endParaRPr lang="en-US"/>
           </a:p>
@@ -5630,7 +5630,7 @@
           <a:p>
             <a:fld id="{47AF4D5A-A06D-4D4D-8596-49910891D0ED}" type="datetime1">
               <a:rPr lang="it-IT" smtClean="0"/>
-              <a:t>21/05/2025</a:t>
+              <a:t>22/05/2025</a:t>
             </a:fld>
             <a:endParaRPr lang="en-US"/>
           </a:p>
@@ -5909,7 +5909,7 @@
           <a:p>
             <a:fld id="{C01B9560-299C-6046-B613-D8EC3ACB2050}" type="datetime1">
               <a:rPr lang="it-IT" smtClean="0"/>
-              <a:t>21/05/2025</a:t>
+              <a:t>22/05/2025</a:t>
             </a:fld>
             <a:endParaRPr lang="en-US"/>
           </a:p>
@@ -6168,7 +6168,7 @@
           <a:p>
             <a:fld id="{D26B8818-ADCB-B540-AEA4-64FF44584E79}" type="datetime1">
               <a:rPr lang="it-IT" smtClean="0"/>
-              <a:t>21/05/2025</a:t>
+              <a:t>22/05/2025</a:t>
             </a:fld>
             <a:endParaRPr lang="en-US"/>
           </a:p>
@@ -6384,7 +6384,7 @@
           <a:p>
             <a:fld id="{DEB44A84-981A-1B41-BC05-555ED4612FF0}" type="datetime1">
               <a:rPr lang="it-IT" smtClean="0"/>
-              <a:t>21/05/2025</a:t>
+              <a:t>22/05/2025</a:t>
             </a:fld>
             <a:endParaRPr lang="en-US"/>
           </a:p>
@@ -7532,7 +7532,7 @@
           <a:p>
             <a:fld id="{4A653FD3-74C7-8045-AB93-E55D3C66F947}" type="datetime1">
               <a:rPr lang="it-IT" noProof="0" smtClean="0"/>
-              <a:t>21/05/2025</a:t>
+              <a:t>22/05/2025</a:t>
             </a:fld>
             <a:endParaRPr lang="en-US" noProof="0"/>
           </a:p>
@@ -7690,7 +7690,7 @@
           <a:p>
             <a:fld id="{4A653FD3-74C7-8045-AB93-E55D3C66F947}" type="datetime1">
               <a:rPr lang="it-IT" noProof="0" smtClean="0"/>
-              <a:t>21/05/2025</a:t>
+              <a:t>22/05/2025</a:t>
             </a:fld>
             <a:endParaRPr lang="en-US" noProof="0"/>
           </a:p>
@@ -8087,7 +8087,7 @@
           <a:p>
             <a:fld id="{958B5172-E2AB-3346-8330-4D0F8C8C161D}" type="datetime1">
               <a:rPr lang="it-IT" noProof="0" smtClean="0"/>
-              <a:t>21/05/2025</a:t>
+              <a:t>22/05/2025</a:t>
             </a:fld>
             <a:endParaRPr lang="en-US" noProof="0"/>
           </a:p>
@@ -8430,7 +8430,7 @@
           <a:p>
             <a:fld id="{79AD4101-44B2-5141-B8B5-0CC2FD8FF177}" type="datetime1">
               <a:rPr lang="it-IT" noProof="0" smtClean="0"/>
-              <a:t>21/05/2025</a:t>
+              <a:t>22/05/2025</a:t>
             </a:fld>
             <a:endParaRPr lang="en-US" noProof="0"/>
           </a:p>
@@ -9154,7 +9154,7 @@
           <a:p>
             <a:fld id="{DF9C7914-E85F-AD43-8570-D11A198959F4}" type="datetime1">
               <a:rPr lang="it-IT" noProof="0" smtClean="0"/>
-              <a:t>21/05/2025</a:t>
+              <a:t>22/05/2025</a:t>
             </a:fld>
             <a:endParaRPr lang="en-US" noProof="0"/>
           </a:p>
@@ -9771,7 +9771,7 @@
           <a:p>
             <a:fld id="{425F6142-001F-8947-A528-68E26AEEF8BB}" type="datetime1">
               <a:rPr lang="it-IT" noProof="0" smtClean="0"/>
-              <a:t>21/05/2025</a:t>
+              <a:t>22/05/2025</a:t>
             </a:fld>
             <a:endParaRPr lang="en-US" noProof="0"/>
           </a:p>
@@ -10185,7 +10185,7 @@
           <a:p>
             <a:fld id="{AC16CFDC-C932-6342-8390-4484A492270E}" type="datetime1">
               <a:rPr lang="it-IT" noProof="0" smtClean="0"/>
-              <a:t>21/05/2025</a:t>
+              <a:t>22/05/2025</a:t>
             </a:fld>
             <a:endParaRPr lang="en-US" noProof="0"/>
           </a:p>
@@ -10486,7 +10486,7 @@
           <a:p>
             <a:fld id="{622EF31E-D869-CD4C-A6B1-50769005870B}" type="datetime1">
               <a:rPr lang="it-IT" noProof="0" smtClean="0"/>
-              <a:t>21/05/2025</a:t>
+              <a:t>22/05/2025</a:t>
             </a:fld>
             <a:endParaRPr lang="en-US" noProof="0"/>
           </a:p>
@@ -10765,7 +10765,7 @@
           <a:p>
             <a:fld id="{7413F0C9-A346-F841-B5A5-F306273CE6A5}" type="datetime1">
               <a:rPr lang="it-IT" noProof="0" smtClean="0"/>
-              <a:t>21/05/2025</a:t>
+              <a:t>22/05/2025</a:t>
             </a:fld>
             <a:endParaRPr lang="en-US" noProof="0"/>
           </a:p>
@@ -11171,7 +11171,7 @@
           <a:p>
             <a:fld id="{D8F6824B-E022-074D-B43A-E96622677D55}" type="datetime1">
               <a:rPr lang="it-IT" noProof="0" smtClean="0"/>
-              <a:t>21/05/2025</a:t>
+              <a:t>22/05/2025</a:t>
             </a:fld>
             <a:endParaRPr lang="en-US" noProof="0"/>
           </a:p>
@@ -11716,7 +11716,7 @@
           <a:p>
             <a:fld id="{C07B4D1B-2933-4046-8201-F0CEC42142AE}" type="datetime1">
               <a:rPr lang="it-IT" noProof="0" smtClean="0"/>
-              <a:t>21/05/2025</a:t>
+              <a:t>22/05/2025</a:t>
             </a:fld>
             <a:endParaRPr lang="en-US" noProof="0"/>
           </a:p>
@@ -12244,7 +12244,7 @@
           <a:p>
             <a:fld id="{D1320C11-E86F-1341-96E5-92FA886F7D9B}" type="datetime1">
               <a:rPr lang="it-IT" noProof="0" smtClean="0"/>
-              <a:t>21/05/2025</a:t>
+              <a:t>22/05/2025</a:t>
             </a:fld>
             <a:endParaRPr lang="en-US" noProof="0"/>
           </a:p>
@@ -12843,7 +12843,7 @@
           <a:p>
             <a:fld id="{D13E1EF2-B548-F343-8C0D-5A3E95F5AF6D}" type="datetime1">
               <a:rPr lang="it-IT" noProof="0" smtClean="0"/>
-              <a:t>21/05/2025</a:t>
+              <a:t>22/05/2025</a:t>
             </a:fld>
             <a:endParaRPr lang="en-US" noProof="0"/>
           </a:p>
@@ -13352,7 +13352,7 @@
           <a:p>
             <a:fld id="{6AF11175-D0CE-A245-B0D7-F934C05D742A}" type="datetime1">
               <a:rPr lang="it-IT" noProof="0" smtClean="0"/>
-              <a:t>21/05/2025</a:t>
+              <a:t>22/05/2025</a:t>
             </a:fld>
             <a:endParaRPr lang="en-US" noProof="0"/>
           </a:p>
@@ -13679,7 +13679,7 @@
           <a:p>
             <a:fld id="{1362CF24-8187-9F43-A7E4-EEC7B0838B03}" type="datetime1">
               <a:rPr lang="it-IT" noProof="0" smtClean="0"/>
-              <a:t>21/05/2025</a:t>
+              <a:t>22/05/2025</a:t>
             </a:fld>
             <a:endParaRPr lang="en-US" noProof="0"/>
           </a:p>
@@ -14312,7 +14312,7 @@
           <a:p>
             <a:fld id="{E92DB9AC-53A0-0E45-B2B4-7DB8956C00ED}" type="datetime1">
               <a:rPr lang="it-IT" noProof="0" smtClean="0"/>
-              <a:t>21/05/2025</a:t>
+              <a:t>22/05/2025</a:t>
             </a:fld>
             <a:endParaRPr lang="en-US" noProof="0"/>
           </a:p>
@@ -14827,7 +14827,7 @@
           <a:p>
             <a:fld id="{6B64C5DE-68E2-F144-860E-AB6697F8FECB}" type="datetime1">
               <a:rPr lang="it-IT" noProof="0" smtClean="0"/>
-              <a:t>21/05/2025</a:t>
+              <a:t>22/05/2025</a:t>
             </a:fld>
             <a:endParaRPr lang="en-US" noProof="0"/>
           </a:p>
@@ -15113,7 +15113,7 @@
           <a:p>
             <a:fld id="{DF7307B2-2F77-E649-B6B0-C97ED1CDD235}" type="datetime1">
               <a:rPr lang="it-IT" noProof="0" smtClean="0"/>
-              <a:t>21/05/2025</a:t>
+              <a:t>22/05/2025</a:t>
             </a:fld>
             <a:endParaRPr lang="en-US" noProof="0"/>
           </a:p>
@@ -15582,7 +15582,7 @@
           <a:p>
             <a:fld id="{4A653FD3-74C7-8045-AB93-E55D3C66F947}" type="datetime1">
               <a:rPr lang="it-IT" noProof="0" smtClean="0"/>
-              <a:t>21/05/2025</a:t>
+              <a:t>22/05/2025</a:t>
             </a:fld>
             <a:endParaRPr lang="en-US" noProof="0"/>
           </a:p>
@@ -16063,7 +16063,7 @@
           <a:p>
             <a:fld id="{1FFF1784-E9F0-F541-B1E9-2197BBCC13B8}" type="datetime1">
               <a:rPr lang="it-IT" noProof="0" smtClean="0"/>
-              <a:t>21/05/2025</a:t>
+              <a:t>22/05/2025</a:t>
             </a:fld>
             <a:endParaRPr lang="en-US" noProof="0"/>
           </a:p>
@@ -16208,7 +16208,7 @@
           <a:p>
             <a:fld id="{4A653FD3-74C7-8045-AB93-E55D3C66F947}" type="datetime1">
               <a:rPr lang="it-IT" noProof="0" smtClean="0"/>
-              <a:t>21/05/2025</a:t>
+              <a:t>22/05/2025</a:t>
             </a:fld>
             <a:endParaRPr lang="en-US" noProof="0"/>
           </a:p>
@@ -16356,7 +16356,7 @@
           <a:p>
             <a:fld id="{D37CEDE9-D7E7-BD45-9E3A-F83FE50D4A9B}" type="datetime1">
               <a:rPr lang="it-IT" noProof="0" smtClean="0"/>
-              <a:t>21/05/2025</a:t>
+              <a:t>22/05/2025</a:t>
             </a:fld>
             <a:endParaRPr lang="en-US" noProof="0"/>
           </a:p>
@@ -16590,7 +16590,7 @@
           <a:p>
             <a:fld id="{BC59D01D-21FE-4440-93A2-0391C6145256}" type="datetime1">
               <a:rPr lang="it-IT" noProof="0" smtClean="0"/>
-              <a:t>21/05/2025</a:t>
+              <a:t>22/05/2025</a:t>
             </a:fld>
             <a:endParaRPr lang="en-US" noProof="0"/>
           </a:p>
@@ -16728,9 +16728,16 @@
                   <a:srgbClr val="0070C0"/>
                 </a:solidFill>
                 <a:latin typeface="Raleway Light" panose="020B0403030101060003" pitchFamily="34" charset="0"/>
-              </a:rPr>
-              <a:t>https://jakartaee.github.io/rest/apidocs/3.0.0/jakarta/ws/rs/core/MediaType.html</a:t>
-            </a:r>
+                <a:hlinkClick r:id="rId3"/>
+              </a:rPr>
+              <a:t>https://javadoc.io/doc/jakarta.ws.rs/jakarta.ws.rs-api/4.0.0/index.html</a:t>
+            </a:r>
+            <a:endParaRPr lang="en-US" sz="1600" dirty="0">
+              <a:solidFill>
+                <a:srgbClr val="0070C0"/>
+              </a:solidFill>
+              <a:latin typeface="Raleway Light" panose="020B0403030101060003" pitchFamily="34" charset="0"/>
+            </a:endParaRPr>
           </a:p>
           <a:p>
             <a:pPr marL="285750" indent="-285750">
@@ -17065,7 +17072,7 @@
           <a:p>
             <a:fld id="{C07B4D1B-2933-4046-8201-F0CEC42142AE}" type="datetime1">
               <a:rPr lang="it-IT" noProof="0" smtClean="0"/>
-              <a:t>21/05/2025</a:t>
+              <a:t>22/05/2025</a:t>
             </a:fld>
             <a:endParaRPr lang="en-US" noProof="0"/>
           </a:p>
@@ -17864,7 +17871,7 @@
           <a:p>
             <a:fld id="{F3BB4206-BE4B-484D-9FE9-53F60E0FD1BD}" type="datetime1">
               <a:rPr lang="it-IT" noProof="0" smtClean="0"/>
-              <a:t>21/05/2025</a:t>
+              <a:t>22/05/2025</a:t>
             </a:fld>
             <a:endParaRPr lang="en-US" noProof="0"/>
           </a:p>
@@ -18283,7 +18290,7 @@
           <a:p>
             <a:fld id="{4A653FD3-74C7-8045-AB93-E55D3C66F947}" type="datetime1">
               <a:rPr lang="it-IT" noProof="0" smtClean="0"/>
-              <a:t>21/05/2025</a:t>
+              <a:t>22/05/2025</a:t>
             </a:fld>
             <a:endParaRPr lang="en-US" noProof="0"/>
           </a:p>
@@ -18564,7 +18571,7 @@
           <a:p>
             <a:fld id="{67D921E3-6435-5642-8376-DEEEAD0592B2}" type="datetime1">
               <a:rPr lang="it-IT" noProof="0" smtClean="0"/>
-              <a:t>21/05/2025</a:t>
+              <a:t>22/05/2025</a:t>
             </a:fld>
             <a:endParaRPr lang="en-US" noProof="0"/>
           </a:p>
@@ -19540,7 +19547,7 @@
           <a:p>
             <a:fld id="{4A653FD3-74C7-8045-AB93-E55D3C66F947}" type="datetime1">
               <a:rPr lang="it-IT" noProof="0" smtClean="0"/>
-              <a:t>21/05/2025</a:t>
+              <a:t>22/05/2025</a:t>
             </a:fld>
             <a:endParaRPr lang="en-US" noProof="0"/>
           </a:p>
@@ -20108,7 +20115,7 @@
           <a:p>
             <a:fld id="{74840A10-CD70-B549-805D-33D659664CEA}" type="datetime1">
               <a:rPr lang="it-IT" noProof="0" smtClean="0"/>
-              <a:t>21/05/2025</a:t>
+              <a:t>22/05/2025</a:t>
             </a:fld>
             <a:endParaRPr lang="en-US" noProof="0"/>
           </a:p>
@@ -20932,18 +20939,18 @@
 </file>
 
 <file path=customXml/item1.xml><?xml version="1.0" encoding="utf-8"?>
+<p:properties xmlns:p="http://schemas.microsoft.com/office/2006/metadata/properties" xmlns:xsi="http://www.w3.org/2001/XMLSchema-instance" xmlns:pc="http://schemas.microsoft.com/office/infopath/2007/PartnerControls">
+  <documentManagement/>
+</p:properties>
+</file>
+
+<file path=customXml/item2.xml><?xml version="1.0" encoding="utf-8"?>
 <?mso-contentType ?>
 <FormTemplates xmlns="http://schemas.microsoft.com/sharepoint/v3/contenttype/forms">
   <Display>DocumentLibraryForm</Display>
   <Edit>DocumentLibraryForm</Edit>
   <New>DocumentLibraryForm</New>
 </FormTemplates>
-</file>
-
-<file path=customXml/item2.xml><?xml version="1.0" encoding="utf-8"?>
-<p:properties xmlns:p="http://schemas.microsoft.com/office/2006/metadata/properties" xmlns:xsi="http://www.w3.org/2001/XMLSchema-instance" xmlns:pc="http://schemas.microsoft.com/office/infopath/2007/PartnerControls">
-  <documentManagement/>
-</p:properties>
 </file>
 
 <file path=customXml/item3.xml><?xml version="1.0" encoding="utf-8"?>
@@ -21085,18 +21092,18 @@
 </file>
 
 <file path=customXml/itemProps1.xml><?xml version="1.0" encoding="utf-8"?>
-<ds:datastoreItem xmlns:ds="http://schemas.openxmlformats.org/officeDocument/2006/customXml" ds:itemID="{9A531606-AEC1-44A7-A61C-2996AEE368D1}">
+<ds:datastoreItem xmlns:ds="http://schemas.openxmlformats.org/officeDocument/2006/customXml" ds:itemID="{3AB7779E-58E6-4884-8898-B841B14F0622}">
   <ds:schemaRefs>
-    <ds:schemaRef ds:uri="http://schemas.microsoft.com/sharepoint/v3/contenttype/forms"/>
+    <ds:schemaRef ds:uri="http://schemas.microsoft.com/office/2006/metadata/properties"/>
+    <ds:schemaRef ds:uri="http://schemas.microsoft.com/office/infopath/2007/PartnerControls"/>
   </ds:schemaRefs>
 </ds:datastoreItem>
 </file>
 
 <file path=customXml/itemProps2.xml><?xml version="1.0" encoding="utf-8"?>
-<ds:datastoreItem xmlns:ds="http://schemas.openxmlformats.org/officeDocument/2006/customXml" ds:itemID="{3AB7779E-58E6-4884-8898-B841B14F0622}">
+<ds:datastoreItem xmlns:ds="http://schemas.openxmlformats.org/officeDocument/2006/customXml" ds:itemID="{9A531606-AEC1-44A7-A61C-2996AEE368D1}">
   <ds:schemaRefs>
-    <ds:schemaRef ds:uri="http://schemas.microsoft.com/office/2006/metadata/properties"/>
-    <ds:schemaRef ds:uri="http://schemas.microsoft.com/office/infopath/2007/PartnerControls"/>
+    <ds:schemaRef ds:uri="http://schemas.microsoft.com/sharepoint/v3/contenttype/forms"/>
   </ds:schemaRefs>
 </ds:datastoreItem>
 </file>
